--- a/slide-decks/augmented-llm-pattern.pptx
+++ b/slide-decks/augmented-llm-pattern.pptx
@@ -4,11 +4,13 @@
   <p:sldMasterIdLst>
     <p:sldMasterId id="2147483660" r:id="rId1"/>
   </p:sldMasterIdLst>
+  <p:notesMasterIdLst>
+    <p:notesMasterId r:id="rId5"/>
+  </p:notesMasterIdLst>
   <p:sldIdLst>
-    <p:sldId id="264" r:id="rId2"/>
-    <p:sldId id="263" r:id="rId3"/>
-    <p:sldId id="267" r:id="rId4"/>
-    <p:sldId id="266" r:id="rId5"/>
+    <p:sldId id="263" r:id="rId2"/>
+    <p:sldId id="267" r:id="rId3"/>
+    <p:sldId id="266" r:id="rId4"/>
   </p:sldIdLst>
   <p:sldSz cx="12192000" cy="6858000"/>
   <p:notesSz cx="6858000" cy="9144000"/>
@@ -107,6 +109,11 @@
       </a:defRPr>
     </a:lvl9pPr>
   </p:defaultTextStyle>
+  <p:extLst>
+    <p:ext uri="{EFAFB233-063F-42B5-8137-9DF3F51BA10A}">
+      <p15:sldGuideLst xmlns:p15="http://schemas.microsoft.com/office/powerpoint/2012/main"/>
+    </p:ext>
+  </p:extLst>
 </p:presentation>
 </file>
 
@@ -1716,7 +1723,7 @@
   <dgm:whole/>
   <dgm:extLst>
     <a:ext uri="http://schemas.microsoft.com/office/drawing/2008/diagram">
-      <dsp:dataModelExt xmlns:dsp="http://schemas.microsoft.com/office/drawing/2008/diagram" relId="rId6" minVer="http://schemas.openxmlformats.org/drawingml/2006/diagram"/>
+      <dsp:dataModelExt xmlns:dsp="http://schemas.microsoft.com/office/drawing/2008/diagram" relId="rId7" minVer="http://schemas.openxmlformats.org/drawingml/2006/diagram"/>
     </a:ext>
     <a:ext uri="{C62137D5-CB1D-491B-B009-E17868A290BF}">
       <dgm14:recolorImg xmlns:dgm14="http://schemas.microsoft.com/office/drawing/2010/diagram" val="1"/>
@@ -4758,6 +4765,805 @@
 </dgm:styleDef>
 </file>
 
+<file path=ppt/notesMasters/notesMaster1.xml><?xml version="1.0" encoding="utf-8"?>
+<p:notesMaster xmlns:a="http://schemas.openxmlformats.org/drawingml/2006/main" xmlns:r="http://schemas.openxmlformats.org/officeDocument/2006/relationships" xmlns:p="http://schemas.openxmlformats.org/presentationml/2006/main">
+  <p:cSld>
+    <p:bg>
+      <p:bgRef idx="1001">
+        <a:schemeClr val="bg1"/>
+      </p:bgRef>
+    </p:bg>
+    <p:spTree>
+      <p:nvGrpSpPr>
+        <p:cNvPr id="1" name=""/>
+        <p:cNvGrpSpPr/>
+        <p:nvPr/>
+      </p:nvGrpSpPr>
+      <p:grpSpPr>
+        <a:xfrm>
+          <a:off x="0" y="0"/>
+          <a:ext cx="0" cy="0"/>
+          <a:chOff x="0" y="0"/>
+          <a:chExt cx="0" cy="0"/>
+        </a:xfrm>
+      </p:grpSpPr>
+      <p:sp>
+        <p:nvSpPr>
+          <p:cNvPr id="2" name="Header Placeholder 1"/>
+          <p:cNvSpPr>
+            <a:spLocks noGrp="1"/>
+          </p:cNvSpPr>
+          <p:nvPr>
+            <p:ph type="hdr" sz="quarter"/>
+          </p:nvPr>
+        </p:nvSpPr>
+        <p:spPr>
+          <a:xfrm>
+            <a:off x="0" y="0"/>
+            <a:ext cx="2971800" cy="458788"/>
+          </a:xfrm>
+          <a:prstGeom prst="rect">
+            <a:avLst/>
+          </a:prstGeom>
+        </p:spPr>
+        <p:txBody>
+          <a:bodyPr vert="horz" lIns="91440" tIns="45720" rIns="91440" bIns="45720" rtlCol="0"/>
+          <a:lstStyle>
+            <a:lvl1pPr algn="l">
+              <a:defRPr sz="1200"/>
+            </a:lvl1pPr>
+          </a:lstStyle>
+          <a:p>
+            <a:endParaRPr lang="en-AU"/>
+          </a:p>
+        </p:txBody>
+      </p:sp>
+      <p:sp>
+        <p:nvSpPr>
+          <p:cNvPr id="3" name="Date Placeholder 2"/>
+          <p:cNvSpPr>
+            <a:spLocks noGrp="1"/>
+          </p:cNvSpPr>
+          <p:nvPr>
+            <p:ph type="dt" idx="1"/>
+          </p:nvPr>
+        </p:nvSpPr>
+        <p:spPr>
+          <a:xfrm>
+            <a:off x="3884613" y="0"/>
+            <a:ext cx="2971800" cy="458788"/>
+          </a:xfrm>
+          <a:prstGeom prst="rect">
+            <a:avLst/>
+          </a:prstGeom>
+        </p:spPr>
+        <p:txBody>
+          <a:bodyPr vert="horz" lIns="91440" tIns="45720" rIns="91440" bIns="45720" rtlCol="0"/>
+          <a:lstStyle>
+            <a:lvl1pPr algn="r">
+              <a:defRPr sz="1200"/>
+            </a:lvl1pPr>
+          </a:lstStyle>
+          <a:p>
+            <a:fld id="{8D4D76AA-06DA-4C21-B4FA-0433201E4C70}" type="datetimeFigureOut">
+              <a:rPr lang="en-AU" smtClean="0"/>
+              <a:t>1/09/2025</a:t>
+            </a:fld>
+            <a:endParaRPr lang="en-AU"/>
+          </a:p>
+        </p:txBody>
+      </p:sp>
+      <p:sp>
+        <p:nvSpPr>
+          <p:cNvPr id="4" name="Slide Image Placeholder 3"/>
+          <p:cNvSpPr>
+            <a:spLocks noGrp="1" noRot="1" noChangeAspect="1"/>
+          </p:cNvSpPr>
+          <p:nvPr>
+            <p:ph type="sldImg" idx="2"/>
+          </p:nvPr>
+        </p:nvSpPr>
+        <p:spPr>
+          <a:xfrm>
+            <a:off x="685800" y="1143000"/>
+            <a:ext cx="5486400" cy="3086100"/>
+          </a:xfrm>
+          <a:prstGeom prst="rect">
+            <a:avLst/>
+          </a:prstGeom>
+          <a:noFill/>
+          <a:ln w="12700">
+            <a:solidFill>
+              <a:prstClr val="black"/>
+            </a:solidFill>
+          </a:ln>
+        </p:spPr>
+        <p:txBody>
+          <a:bodyPr vert="horz" lIns="91440" tIns="45720" rIns="91440" bIns="45720" rtlCol="0" anchor="ctr"/>
+          <a:lstStyle/>
+          <a:p>
+            <a:endParaRPr lang="en-AU"/>
+          </a:p>
+        </p:txBody>
+      </p:sp>
+      <p:sp>
+        <p:nvSpPr>
+          <p:cNvPr id="5" name="Notes Placeholder 4"/>
+          <p:cNvSpPr>
+            <a:spLocks noGrp="1"/>
+          </p:cNvSpPr>
+          <p:nvPr>
+            <p:ph type="body" sz="quarter" idx="3"/>
+          </p:nvPr>
+        </p:nvSpPr>
+        <p:spPr>
+          <a:xfrm>
+            <a:off x="685800" y="4400550"/>
+            <a:ext cx="5486400" cy="3600450"/>
+          </a:xfrm>
+          <a:prstGeom prst="rect">
+            <a:avLst/>
+          </a:prstGeom>
+        </p:spPr>
+        <p:txBody>
+          <a:bodyPr vert="horz" lIns="91440" tIns="45720" rIns="91440" bIns="45720" rtlCol="0"/>
+          <a:lstStyle/>
+          <a:p>
+            <a:pPr lvl="0"/>
+            <a:r>
+              <a:rPr lang="en-US"/>
+              <a:t>Click to edit Master text styles</a:t>
+            </a:r>
+          </a:p>
+          <a:p>
+            <a:pPr lvl="1"/>
+            <a:r>
+              <a:rPr lang="en-US"/>
+              <a:t>Second level</a:t>
+            </a:r>
+          </a:p>
+          <a:p>
+            <a:pPr lvl="2"/>
+            <a:r>
+              <a:rPr lang="en-US"/>
+              <a:t>Third level</a:t>
+            </a:r>
+          </a:p>
+          <a:p>
+            <a:pPr lvl="3"/>
+            <a:r>
+              <a:rPr lang="en-US"/>
+              <a:t>Fourth level</a:t>
+            </a:r>
+          </a:p>
+          <a:p>
+            <a:pPr lvl="4"/>
+            <a:r>
+              <a:rPr lang="en-US"/>
+              <a:t>Fifth level</a:t>
+            </a:r>
+            <a:endParaRPr lang="en-AU"/>
+          </a:p>
+        </p:txBody>
+      </p:sp>
+      <p:sp>
+        <p:nvSpPr>
+          <p:cNvPr id="6" name="Footer Placeholder 5"/>
+          <p:cNvSpPr>
+            <a:spLocks noGrp="1"/>
+          </p:cNvSpPr>
+          <p:nvPr>
+            <p:ph type="ftr" sz="quarter" idx="4"/>
+          </p:nvPr>
+        </p:nvSpPr>
+        <p:spPr>
+          <a:xfrm>
+            <a:off x="0" y="8685213"/>
+            <a:ext cx="2971800" cy="458787"/>
+          </a:xfrm>
+          <a:prstGeom prst="rect">
+            <a:avLst/>
+          </a:prstGeom>
+        </p:spPr>
+        <p:txBody>
+          <a:bodyPr vert="horz" lIns="91440" tIns="45720" rIns="91440" bIns="45720" rtlCol="0" anchor="b"/>
+          <a:lstStyle>
+            <a:lvl1pPr algn="l">
+              <a:defRPr sz="1200"/>
+            </a:lvl1pPr>
+          </a:lstStyle>
+          <a:p>
+            <a:endParaRPr lang="en-AU"/>
+          </a:p>
+        </p:txBody>
+      </p:sp>
+      <p:sp>
+        <p:nvSpPr>
+          <p:cNvPr id="7" name="Slide Number Placeholder 6"/>
+          <p:cNvSpPr>
+            <a:spLocks noGrp="1"/>
+          </p:cNvSpPr>
+          <p:nvPr>
+            <p:ph type="sldNum" sz="quarter" idx="5"/>
+          </p:nvPr>
+        </p:nvSpPr>
+        <p:spPr>
+          <a:xfrm>
+            <a:off x="3884613" y="8685213"/>
+            <a:ext cx="2971800" cy="458787"/>
+          </a:xfrm>
+          <a:prstGeom prst="rect">
+            <a:avLst/>
+          </a:prstGeom>
+        </p:spPr>
+        <p:txBody>
+          <a:bodyPr vert="horz" lIns="91440" tIns="45720" rIns="91440" bIns="45720" rtlCol="0" anchor="b"/>
+          <a:lstStyle>
+            <a:lvl1pPr algn="r">
+              <a:defRPr sz="1200"/>
+            </a:lvl1pPr>
+          </a:lstStyle>
+          <a:p>
+            <a:fld id="{D4BC2BDC-D500-42B1-A192-BA7E7E6B409A}" type="slidenum">
+              <a:rPr lang="en-AU" smtClean="0"/>
+              <a:t>‹#›</a:t>
+            </a:fld>
+            <a:endParaRPr lang="en-AU"/>
+          </a:p>
+        </p:txBody>
+      </p:sp>
+    </p:spTree>
+    <p:extLst>
+      <p:ext uri="{BB962C8B-B14F-4D97-AF65-F5344CB8AC3E}">
+        <p14:creationId xmlns:p14="http://schemas.microsoft.com/office/powerpoint/2010/main" val="937161943"/>
+      </p:ext>
+    </p:extLst>
+  </p:cSld>
+  <p:clrMap bg1="lt1" tx1="dk1" bg2="lt2" tx2="dk2" accent1="accent1" accent2="accent2" accent3="accent3" accent4="accent4" accent5="accent5" accent6="accent6" hlink="hlink" folHlink="folHlink"/>
+  <p:notesStyle>
+    <a:lvl1pPr marL="0" algn="l" defTabSz="914400" rtl="0" eaLnBrk="1" latinLnBrk="0" hangingPunct="1">
+      <a:defRPr sz="1200" kern="1200">
+        <a:solidFill>
+          <a:schemeClr val="tx1"/>
+        </a:solidFill>
+        <a:latin typeface="+mn-lt"/>
+        <a:ea typeface="+mn-ea"/>
+        <a:cs typeface="+mn-cs"/>
+      </a:defRPr>
+    </a:lvl1pPr>
+    <a:lvl2pPr marL="457200" algn="l" defTabSz="914400" rtl="0" eaLnBrk="1" latinLnBrk="0" hangingPunct="1">
+      <a:defRPr sz="1200" kern="1200">
+        <a:solidFill>
+          <a:schemeClr val="tx1"/>
+        </a:solidFill>
+        <a:latin typeface="+mn-lt"/>
+        <a:ea typeface="+mn-ea"/>
+        <a:cs typeface="+mn-cs"/>
+      </a:defRPr>
+    </a:lvl2pPr>
+    <a:lvl3pPr marL="914400" algn="l" defTabSz="914400" rtl="0" eaLnBrk="1" latinLnBrk="0" hangingPunct="1">
+      <a:defRPr sz="1200" kern="1200">
+        <a:solidFill>
+          <a:schemeClr val="tx1"/>
+        </a:solidFill>
+        <a:latin typeface="+mn-lt"/>
+        <a:ea typeface="+mn-ea"/>
+        <a:cs typeface="+mn-cs"/>
+      </a:defRPr>
+    </a:lvl3pPr>
+    <a:lvl4pPr marL="1371600" algn="l" defTabSz="914400" rtl="0" eaLnBrk="1" latinLnBrk="0" hangingPunct="1">
+      <a:defRPr sz="1200" kern="1200">
+        <a:solidFill>
+          <a:schemeClr val="tx1"/>
+        </a:solidFill>
+        <a:latin typeface="+mn-lt"/>
+        <a:ea typeface="+mn-ea"/>
+        <a:cs typeface="+mn-cs"/>
+      </a:defRPr>
+    </a:lvl4pPr>
+    <a:lvl5pPr marL="1828800" algn="l" defTabSz="914400" rtl="0" eaLnBrk="1" latinLnBrk="0" hangingPunct="1">
+      <a:defRPr sz="1200" kern="1200">
+        <a:solidFill>
+          <a:schemeClr val="tx1"/>
+        </a:solidFill>
+        <a:latin typeface="+mn-lt"/>
+        <a:ea typeface="+mn-ea"/>
+        <a:cs typeface="+mn-cs"/>
+      </a:defRPr>
+    </a:lvl5pPr>
+    <a:lvl6pPr marL="2286000" algn="l" defTabSz="914400" rtl="0" eaLnBrk="1" latinLnBrk="0" hangingPunct="1">
+      <a:defRPr sz="1200" kern="1200">
+        <a:solidFill>
+          <a:schemeClr val="tx1"/>
+        </a:solidFill>
+        <a:latin typeface="+mn-lt"/>
+        <a:ea typeface="+mn-ea"/>
+        <a:cs typeface="+mn-cs"/>
+      </a:defRPr>
+    </a:lvl6pPr>
+    <a:lvl7pPr marL="2743200" algn="l" defTabSz="914400" rtl="0" eaLnBrk="1" latinLnBrk="0" hangingPunct="1">
+      <a:defRPr sz="1200" kern="1200">
+        <a:solidFill>
+          <a:schemeClr val="tx1"/>
+        </a:solidFill>
+        <a:latin typeface="+mn-lt"/>
+        <a:ea typeface="+mn-ea"/>
+        <a:cs typeface="+mn-cs"/>
+      </a:defRPr>
+    </a:lvl7pPr>
+    <a:lvl8pPr marL="3200400" algn="l" defTabSz="914400" rtl="0" eaLnBrk="1" latinLnBrk="0" hangingPunct="1">
+      <a:defRPr sz="1200" kern="1200">
+        <a:solidFill>
+          <a:schemeClr val="tx1"/>
+        </a:solidFill>
+        <a:latin typeface="+mn-lt"/>
+        <a:ea typeface="+mn-ea"/>
+        <a:cs typeface="+mn-cs"/>
+      </a:defRPr>
+    </a:lvl8pPr>
+    <a:lvl9pPr marL="3657600" algn="l" defTabSz="914400" rtl="0" eaLnBrk="1" latinLnBrk="0" hangingPunct="1">
+      <a:defRPr sz="1200" kern="1200">
+        <a:solidFill>
+          <a:schemeClr val="tx1"/>
+        </a:solidFill>
+        <a:latin typeface="+mn-lt"/>
+        <a:ea typeface="+mn-ea"/>
+        <a:cs typeface="+mn-cs"/>
+      </a:defRPr>
+    </a:lvl9pPr>
+  </p:notesStyle>
+</p:notesMaster>
+</file>
+
+<file path=ppt/notesSlides/notesSlide1.xml><?xml version="1.0" encoding="utf-8"?>
+<p:notes xmlns:a="http://schemas.openxmlformats.org/drawingml/2006/main" xmlns:r="http://schemas.openxmlformats.org/officeDocument/2006/relationships" xmlns:p="http://schemas.openxmlformats.org/presentationml/2006/main">
+  <p:cSld>
+    <p:spTree>
+      <p:nvGrpSpPr>
+        <p:cNvPr id="1" name=""/>
+        <p:cNvGrpSpPr/>
+        <p:nvPr/>
+      </p:nvGrpSpPr>
+      <p:grpSpPr>
+        <a:xfrm>
+          <a:off x="0" y="0"/>
+          <a:ext cx="0" cy="0"/>
+          <a:chOff x="0" y="0"/>
+          <a:chExt cx="0" cy="0"/>
+        </a:xfrm>
+      </p:grpSpPr>
+      <p:sp>
+        <p:nvSpPr>
+          <p:cNvPr id="2" name="Slide Image Placeholder 1"/>
+          <p:cNvSpPr>
+            <a:spLocks noGrp="1" noRot="1" noChangeAspect="1"/>
+          </p:cNvSpPr>
+          <p:nvPr>
+            <p:ph type="sldImg"/>
+          </p:nvPr>
+        </p:nvSpPr>
+        <p:spPr/>
+      </p:sp>
+      <p:sp>
+        <p:nvSpPr>
+          <p:cNvPr id="3" name="Notes Placeholder 2"/>
+          <p:cNvSpPr>
+            <a:spLocks noGrp="1"/>
+          </p:cNvSpPr>
+          <p:nvPr>
+            <p:ph type="body" idx="1"/>
+          </p:nvPr>
+        </p:nvSpPr>
+        <p:spPr/>
+        <p:txBody>
+          <a:bodyPr/>
+          <a:lstStyle/>
+          <a:p>
+            <a:pPr marL="0" marR="0" lvl="0" indent="0" algn="l" defTabSz="914400" rtl="0" eaLnBrk="1" fontAlgn="auto" latinLnBrk="0" hangingPunct="1">
+              <a:lnSpc>
+                <a:spcPct val="100000"/>
+              </a:lnSpc>
+              <a:spcBef>
+                <a:spcPts val="0"/>
+              </a:spcBef>
+              <a:spcAft>
+                <a:spcPts val="0"/>
+              </a:spcAft>
+              <a:buClrTx/>
+              <a:buSzTx/>
+              <a:buFontTx/>
+              <a:buNone/>
+              <a:tabLst/>
+              <a:defRPr/>
+            </a:pPr>
+            <a:r>
+              <a:rPr lang="en-AU" dirty="0"/>
+              <a:t>Hi everyone, welcome back to this series on building AI Agents with </a:t>
+            </a:r>
+            <a:r>
+              <a:rPr lang="en-AU" dirty="0" err="1"/>
+              <a:t>Dapr</a:t>
+            </a:r>
+            <a:r>
+              <a:rPr lang="en-AU" dirty="0"/>
+              <a:t> Agents!</a:t>
+            </a:r>
+          </a:p>
+          <a:p>
+            <a:endParaRPr lang="en-AU" dirty="0"/>
+          </a:p>
+          <a:p>
+            <a:r>
+              <a:rPr lang="en-AU" dirty="0"/>
+              <a:t>So far in this series, we’ve covered the basics of </a:t>
+            </a:r>
+            <a:r>
+              <a:rPr lang="en-AU" dirty="0" err="1"/>
+              <a:t>Dapr</a:t>
+            </a:r>
+            <a:r>
+              <a:rPr lang="en-AU" dirty="0"/>
+              <a:t> Agents, what they are, and how we can use them to build AI Agents.</a:t>
+            </a:r>
+          </a:p>
+          <a:p>
+            <a:endParaRPr lang="en-AU" dirty="0"/>
+          </a:p>
+          <a:p>
+            <a:r>
+              <a:rPr lang="en-AU" dirty="0"/>
+              <a:t>Now we’re going to dive into some patterns that we can implement to build effective agents using </a:t>
+            </a:r>
+            <a:r>
+              <a:rPr lang="en-AU" dirty="0" err="1"/>
+              <a:t>Dapr</a:t>
+            </a:r>
+            <a:r>
+              <a:rPr lang="en-AU" dirty="0"/>
+              <a:t> Agents, starting with the Augmented LLM pattern in </a:t>
+            </a:r>
+            <a:r>
+              <a:rPr lang="en-AU" dirty="0" err="1"/>
+              <a:t>Dapr</a:t>
+            </a:r>
+            <a:r>
+              <a:rPr lang="en-AU" dirty="0"/>
+              <a:t> Agents. These videos will describe what the pattern is at a high level, before jumping straight into the code to show how we can implement the pattern. I’m not going to spend too much time going over theory, we’ve done that. These pattern videos are going to concentrate more on the code.</a:t>
+            </a:r>
+          </a:p>
+        </p:txBody>
+      </p:sp>
+      <p:sp>
+        <p:nvSpPr>
+          <p:cNvPr id="4" name="Slide Number Placeholder 3"/>
+          <p:cNvSpPr>
+            <a:spLocks noGrp="1"/>
+          </p:cNvSpPr>
+          <p:nvPr>
+            <p:ph type="sldNum" sz="quarter" idx="5"/>
+          </p:nvPr>
+        </p:nvSpPr>
+        <p:spPr/>
+        <p:txBody>
+          <a:bodyPr/>
+          <a:lstStyle/>
+          <a:p>
+            <a:fld id="{D4BC2BDC-D500-42B1-A192-BA7E7E6B409A}" type="slidenum">
+              <a:rPr lang="en-AU" smtClean="0"/>
+              <a:t>1</a:t>
+            </a:fld>
+            <a:endParaRPr lang="en-AU"/>
+          </a:p>
+        </p:txBody>
+      </p:sp>
+    </p:spTree>
+    <p:extLst>
+      <p:ext uri="{BB962C8B-B14F-4D97-AF65-F5344CB8AC3E}">
+        <p14:creationId xmlns:p14="http://schemas.microsoft.com/office/powerpoint/2010/main" val="1892087493"/>
+      </p:ext>
+    </p:extLst>
+  </p:cSld>
+  <p:clrMapOvr>
+    <a:masterClrMapping/>
+  </p:clrMapOvr>
+</p:notes>
+</file>
+
+<file path=ppt/notesSlides/notesSlide2.xml><?xml version="1.0" encoding="utf-8"?>
+<p:notes xmlns:a="http://schemas.openxmlformats.org/drawingml/2006/main" xmlns:r="http://schemas.openxmlformats.org/officeDocument/2006/relationships" xmlns:p="http://schemas.openxmlformats.org/presentationml/2006/main">
+  <p:cSld>
+    <p:spTree>
+      <p:nvGrpSpPr>
+        <p:cNvPr id="1" name=""/>
+        <p:cNvGrpSpPr/>
+        <p:nvPr/>
+      </p:nvGrpSpPr>
+      <p:grpSpPr>
+        <a:xfrm>
+          <a:off x="0" y="0"/>
+          <a:ext cx="0" cy="0"/>
+          <a:chOff x="0" y="0"/>
+          <a:chExt cx="0" cy="0"/>
+        </a:xfrm>
+      </p:grpSpPr>
+      <p:sp>
+        <p:nvSpPr>
+          <p:cNvPr id="2" name="Slide Image Placeholder 1"/>
+          <p:cNvSpPr>
+            <a:spLocks noGrp="1" noRot="1" noChangeAspect="1"/>
+          </p:cNvSpPr>
+          <p:nvPr>
+            <p:ph type="sldImg"/>
+          </p:nvPr>
+        </p:nvSpPr>
+        <p:spPr/>
+      </p:sp>
+      <p:sp>
+        <p:nvSpPr>
+          <p:cNvPr id="3" name="Notes Placeholder 2"/>
+          <p:cNvSpPr>
+            <a:spLocks noGrp="1"/>
+          </p:cNvSpPr>
+          <p:nvPr>
+            <p:ph type="body" idx="1"/>
+          </p:nvPr>
+        </p:nvSpPr>
+        <p:spPr/>
+        <p:txBody>
+          <a:bodyPr/>
+          <a:lstStyle/>
+          <a:p>
+            <a:r>
+              <a:rPr lang="en-AU" dirty="0"/>
+              <a:t>That being said, let’s cover the Augmented LLM pattern.</a:t>
+            </a:r>
+          </a:p>
+          <a:p>
+            <a:endParaRPr lang="en-AU" dirty="0"/>
+          </a:p>
+          <a:p>
+            <a:r>
+              <a:rPr lang="en-AU" dirty="0"/>
+              <a:t>This pattern </a:t>
+            </a:r>
+            <a:r>
+              <a:rPr lang="en-US" sz="1200" b="0" i="0" kern="1200" dirty="0">
+                <a:solidFill>
+                  <a:schemeClr val="tx1"/>
+                </a:solidFill>
+                <a:effectLst/>
+                <a:latin typeface="+mn-lt"/>
+                <a:ea typeface="+mn-ea"/>
+                <a:cs typeface="+mn-cs"/>
+              </a:rPr>
+              <a:t>is a foundational building block for agentic systems. It enhances a language model with external capabilities such as memory, tools, and retrieval systems. This pattern enables LLMs to overcome their inherent limitations by connecting them to the outside world, allowing them to remember context across interactions and access external data or services.</a:t>
+            </a:r>
+          </a:p>
+          <a:p>
+            <a:endParaRPr lang="en-US" sz="1200" b="0" i="0" kern="1200" dirty="0">
+              <a:solidFill>
+                <a:schemeClr val="tx1"/>
+              </a:solidFill>
+              <a:effectLst/>
+              <a:latin typeface="+mn-lt"/>
+              <a:ea typeface="+mn-ea"/>
+              <a:cs typeface="+mn-cs"/>
+            </a:endParaRPr>
+          </a:p>
+          <a:p>
+            <a:r>
+              <a:rPr lang="en-US" sz="1200" b="1" i="0" kern="1200" dirty="0">
+                <a:solidFill>
+                  <a:schemeClr val="tx1"/>
+                </a:solidFill>
+                <a:effectLst/>
+                <a:latin typeface="+mn-lt"/>
+                <a:ea typeface="+mn-ea"/>
+                <a:cs typeface="+mn-cs"/>
+              </a:rPr>
+              <a:t>Use Cases</a:t>
+            </a:r>
+          </a:p>
+          <a:p>
+            <a:r>
+              <a:rPr lang="en-US" sz="1200" b="1" i="0" kern="1200" dirty="0">
+                <a:solidFill>
+                  <a:schemeClr val="tx1"/>
+                </a:solidFill>
+                <a:effectLst/>
+                <a:latin typeface="+mn-lt"/>
+                <a:ea typeface="+mn-ea"/>
+                <a:cs typeface="+mn-cs"/>
+              </a:rPr>
+              <a:t>Personal Assistants</a:t>
+            </a:r>
+            <a:r>
+              <a:rPr lang="en-US" sz="1200" b="0" i="0" kern="1200" dirty="0">
+                <a:solidFill>
+                  <a:schemeClr val="tx1"/>
+                </a:solidFill>
+                <a:effectLst/>
+                <a:latin typeface="+mn-lt"/>
+                <a:ea typeface="+mn-ea"/>
+                <a:cs typeface="+mn-cs"/>
+              </a:rPr>
+              <a:t>: Remembering user preferences and accessing calendars, emails, or other personal data</a:t>
+            </a:r>
+          </a:p>
+          <a:p>
+            <a:r>
+              <a:rPr lang="en-US" sz="1200" b="1" i="0" kern="1200" dirty="0">
+                <a:solidFill>
+                  <a:schemeClr val="tx1"/>
+                </a:solidFill>
+                <a:effectLst/>
+                <a:latin typeface="+mn-lt"/>
+                <a:ea typeface="+mn-ea"/>
+                <a:cs typeface="+mn-cs"/>
+              </a:rPr>
+              <a:t>Customer Support</a:t>
+            </a:r>
+            <a:r>
+              <a:rPr lang="en-US" sz="1200" b="0" i="0" kern="1200" dirty="0">
+                <a:solidFill>
+                  <a:schemeClr val="tx1"/>
+                </a:solidFill>
+                <a:effectLst/>
+                <a:latin typeface="+mn-lt"/>
+                <a:ea typeface="+mn-ea"/>
+                <a:cs typeface="+mn-cs"/>
+              </a:rPr>
+              <a:t>: Retrieving product information or account details to provide accurate assistance</a:t>
+            </a:r>
+          </a:p>
+          <a:p>
+            <a:endParaRPr lang="en-AU" dirty="0"/>
+          </a:p>
+          <a:p>
+            <a:endParaRPr lang="en-AU" dirty="0"/>
+          </a:p>
+        </p:txBody>
+      </p:sp>
+      <p:sp>
+        <p:nvSpPr>
+          <p:cNvPr id="4" name="Slide Number Placeholder 3"/>
+          <p:cNvSpPr>
+            <a:spLocks noGrp="1"/>
+          </p:cNvSpPr>
+          <p:nvPr>
+            <p:ph type="sldNum" sz="quarter" idx="5"/>
+          </p:nvPr>
+        </p:nvSpPr>
+        <p:spPr/>
+        <p:txBody>
+          <a:bodyPr/>
+          <a:lstStyle/>
+          <a:p>
+            <a:fld id="{D4BC2BDC-D500-42B1-A192-BA7E7E6B409A}" type="slidenum">
+              <a:rPr lang="en-AU" smtClean="0"/>
+              <a:t>2</a:t>
+            </a:fld>
+            <a:endParaRPr lang="en-AU"/>
+          </a:p>
+        </p:txBody>
+      </p:sp>
+    </p:spTree>
+    <p:extLst>
+      <p:ext uri="{BB962C8B-B14F-4D97-AF65-F5344CB8AC3E}">
+        <p14:creationId xmlns:p14="http://schemas.microsoft.com/office/powerpoint/2010/main" val="1234645149"/>
+      </p:ext>
+    </p:extLst>
+  </p:cSld>
+  <p:clrMapOvr>
+    <a:masterClrMapping/>
+  </p:clrMapOvr>
+</p:notes>
+</file>
+
+<file path=ppt/notesSlides/notesSlide3.xml><?xml version="1.0" encoding="utf-8"?>
+<p:notes xmlns:a="http://schemas.openxmlformats.org/drawingml/2006/main" xmlns:r="http://schemas.openxmlformats.org/officeDocument/2006/relationships" xmlns:p="http://schemas.openxmlformats.org/presentationml/2006/main">
+  <p:cSld>
+    <p:spTree>
+      <p:nvGrpSpPr>
+        <p:cNvPr id="1" name=""/>
+        <p:cNvGrpSpPr/>
+        <p:nvPr/>
+      </p:nvGrpSpPr>
+      <p:grpSpPr>
+        <a:xfrm>
+          <a:off x="0" y="0"/>
+          <a:ext cx="0" cy="0"/>
+          <a:chOff x="0" y="0"/>
+          <a:chExt cx="0" cy="0"/>
+        </a:xfrm>
+      </p:grpSpPr>
+      <p:sp>
+        <p:nvSpPr>
+          <p:cNvPr id="2" name="Slide Image Placeholder 1"/>
+          <p:cNvSpPr>
+            <a:spLocks noGrp="1" noRot="1" noChangeAspect="1"/>
+          </p:cNvSpPr>
+          <p:nvPr>
+            <p:ph type="sldImg"/>
+          </p:nvPr>
+        </p:nvSpPr>
+        <p:spPr/>
+      </p:sp>
+      <p:sp>
+        <p:nvSpPr>
+          <p:cNvPr id="3" name="Notes Placeholder 2"/>
+          <p:cNvSpPr>
+            <a:spLocks noGrp="1"/>
+          </p:cNvSpPr>
+          <p:nvPr>
+            <p:ph type="body" idx="1"/>
+          </p:nvPr>
+        </p:nvSpPr>
+        <p:spPr/>
+        <p:txBody>
+          <a:bodyPr/>
+          <a:lstStyle/>
+          <a:p>
+            <a:r>
+              <a:rPr lang="en-AU" dirty="0"/>
+              <a:t>So let’s see how the </a:t>
+            </a:r>
+            <a:r>
+              <a:rPr lang="en-AU" dirty="0" err="1"/>
+              <a:t>Augumented</a:t>
+            </a:r>
+            <a:r>
+              <a:rPr lang="en-AU" dirty="0"/>
+              <a:t> LLM pattern works in action.</a:t>
+            </a:r>
+          </a:p>
+          <a:p>
+            <a:endParaRPr lang="en-AU" dirty="0"/>
+          </a:p>
+          <a:p>
+            <a:r>
+              <a:rPr lang="en-AU" dirty="0"/>
+              <a:t>We’ll see how we can configure our agents with specific roles and instructions, how we can augment LLMs using tool integration and memory persistence, and how we can configure our agents to use tools that we define.</a:t>
+            </a:r>
+          </a:p>
+        </p:txBody>
+      </p:sp>
+      <p:sp>
+        <p:nvSpPr>
+          <p:cNvPr id="4" name="Slide Number Placeholder 3"/>
+          <p:cNvSpPr>
+            <a:spLocks noGrp="1"/>
+          </p:cNvSpPr>
+          <p:nvPr>
+            <p:ph type="sldNum" sz="quarter" idx="5"/>
+          </p:nvPr>
+        </p:nvSpPr>
+        <p:spPr/>
+        <p:txBody>
+          <a:bodyPr/>
+          <a:lstStyle/>
+          <a:p>
+            <a:fld id="{D4BC2BDC-D500-42B1-A192-BA7E7E6B409A}" type="slidenum">
+              <a:rPr lang="en-AU" smtClean="0"/>
+              <a:t>3</a:t>
+            </a:fld>
+            <a:endParaRPr lang="en-AU"/>
+          </a:p>
+        </p:txBody>
+      </p:sp>
+    </p:spTree>
+    <p:extLst>
+      <p:ext uri="{BB962C8B-B14F-4D97-AF65-F5344CB8AC3E}">
+        <p14:creationId xmlns:p14="http://schemas.microsoft.com/office/powerpoint/2010/main" val="14257662"/>
+      </p:ext>
+    </p:extLst>
+  </p:cSld>
+  <p:clrMapOvr>
+    <a:masterClrMapping/>
+  </p:clrMapOvr>
+</p:notes>
+</file>
+
 <file path=ppt/slideLayouts/slideLayout1.xml><?xml version="1.0" encoding="utf-8"?>
 <p:sldLayout xmlns:a="http://schemas.openxmlformats.org/drawingml/2006/main" xmlns:r="http://schemas.openxmlformats.org/officeDocument/2006/relationships" xmlns:p="http://schemas.openxmlformats.org/presentationml/2006/main" showMasterSp="0" type="title" preserve="1">
   <p:cSld name="Title Slide">
@@ -4798,7 +5604,7 @@
           <a:p>
             <a:fld id="{E2C9273C-2509-428F-BAF8-3E024DCC43BA}" type="datetimeFigureOut">
               <a:rPr lang="en-AU" smtClean="0"/>
-              <a:t>30/08/2025</a:t>
+              <a:t>1/09/2025</a:t>
             </a:fld>
             <a:endParaRPr lang="en-AU"/>
           </a:p>
@@ -5119,7 +5925,7 @@
           <a:p>
             <a:fld id="{E2C9273C-2509-428F-BAF8-3E024DCC43BA}" type="datetimeFigureOut">
               <a:rPr lang="en-AU" smtClean="0"/>
-              <a:t>30/08/2025</a:t>
+              <a:t>1/09/2025</a:t>
             </a:fld>
             <a:endParaRPr lang="en-AU"/>
           </a:p>
@@ -5232,7 +6038,7 @@
           <a:p>
             <a:fld id="{E2C9273C-2509-428F-BAF8-3E024DCC43BA}" type="datetimeFigureOut">
               <a:rPr lang="en-AU" smtClean="0"/>
-              <a:t>30/08/2025</a:t>
+              <a:t>1/09/2025</a:t>
             </a:fld>
             <a:endParaRPr lang="en-AU"/>
           </a:p>
@@ -5520,7 +6326,7 @@
           <a:p>
             <a:fld id="{E2C9273C-2509-428F-BAF8-3E024DCC43BA}" type="datetimeFigureOut">
               <a:rPr lang="en-AU" smtClean="0"/>
-              <a:t>30/08/2025</a:t>
+              <a:t>1/09/2025</a:t>
             </a:fld>
             <a:endParaRPr lang="en-AU"/>
           </a:p>
@@ -5812,7 +6618,7 @@
           <a:p>
             <a:fld id="{E2C9273C-2509-428F-BAF8-3E024DCC43BA}" type="datetimeFigureOut">
               <a:rPr lang="en-AU" smtClean="0"/>
-              <a:t>30/08/2025</a:t>
+              <a:t>1/09/2025</a:t>
             </a:fld>
             <a:endParaRPr lang="en-AU"/>
           </a:p>
@@ -6146,7 +6952,7 @@
           <a:p>
             <a:fld id="{E2C9273C-2509-428F-BAF8-3E024DCC43BA}" type="datetimeFigureOut">
               <a:rPr lang="en-AU" smtClean="0"/>
-              <a:t>30/08/2025</a:t>
+              <a:t>1/09/2025</a:t>
             </a:fld>
             <a:endParaRPr lang="en-AU"/>
           </a:p>
@@ -6542,7 +7348,7 @@
           <a:p>
             <a:fld id="{E2C9273C-2509-428F-BAF8-3E024DCC43BA}" type="datetimeFigureOut">
               <a:rPr lang="en-AU" smtClean="0"/>
-              <a:t>30/08/2025</a:t>
+              <a:t>1/09/2025</a:t>
             </a:fld>
             <a:endParaRPr lang="en-AU"/>
           </a:p>
@@ -6929,7 +7735,7 @@
           <a:p>
             <a:fld id="{E2C9273C-2509-428F-BAF8-3E024DCC43BA}" type="datetimeFigureOut">
               <a:rPr lang="en-AU" smtClean="0"/>
-              <a:t>30/08/2025</a:t>
+              <a:t>1/09/2025</a:t>
             </a:fld>
             <a:endParaRPr lang="en-AU"/>
           </a:p>
@@ -7234,7 +8040,7 @@
           <a:p>
             <a:fld id="{E2C9273C-2509-428F-BAF8-3E024DCC43BA}" type="datetimeFigureOut">
               <a:rPr lang="en-AU" smtClean="0"/>
-              <a:t>30/08/2025</a:t>
+              <a:t>1/09/2025</a:t>
             </a:fld>
             <a:endParaRPr lang="en-AU"/>
           </a:p>
@@ -7479,7 +8285,7 @@
           <a:p>
             <a:fld id="{E2C9273C-2509-428F-BAF8-3E024DCC43BA}" type="datetimeFigureOut">
               <a:rPr lang="en-AU" smtClean="0"/>
-              <a:t>30/08/2025</a:t>
+              <a:t>1/09/2025</a:t>
             </a:fld>
             <a:endParaRPr lang="en-AU"/>
           </a:p>
@@ -7715,7 +8521,7 @@
           <a:p>
             <a:fld id="{E2C9273C-2509-428F-BAF8-3E024DCC43BA}" type="datetimeFigureOut">
               <a:rPr lang="en-AU" smtClean="0"/>
-              <a:t>30/08/2025</a:t>
+              <a:t>1/09/2025</a:t>
             </a:fld>
             <a:endParaRPr lang="en-AU"/>
           </a:p>
@@ -7999,7 +8805,7 @@
           <a:p>
             <a:fld id="{E2C9273C-2509-428F-BAF8-3E024DCC43BA}" type="datetimeFigureOut">
               <a:rPr lang="en-AU" smtClean="0"/>
-              <a:t>30/08/2025</a:t>
+              <a:t>1/09/2025</a:t>
             </a:fld>
             <a:endParaRPr lang="en-AU"/>
           </a:p>
@@ -8320,7 +9126,7 @@
           <a:p>
             <a:fld id="{E2C9273C-2509-428F-BAF8-3E024DCC43BA}" type="datetimeFigureOut">
               <a:rPr lang="en-AU" smtClean="0"/>
-              <a:t>30/08/2025</a:t>
+              <a:t>1/09/2025</a:t>
             </a:fld>
             <a:endParaRPr lang="en-AU"/>
           </a:p>
@@ -8579,7 +9385,7 @@
           <a:p>
             <a:fld id="{E2C9273C-2509-428F-BAF8-3E024DCC43BA}" type="datetimeFigureOut">
               <a:rPr lang="en-AU" smtClean="0"/>
-              <a:t>30/08/2025</a:t>
+              <a:t>1/09/2025</a:t>
             </a:fld>
             <a:endParaRPr lang="en-AU"/>
           </a:p>
@@ -8793,7 +9599,7 @@
           <a:p>
             <a:fld id="{E2C9273C-2509-428F-BAF8-3E024DCC43BA}" type="datetimeFigureOut">
               <a:rPr lang="en-AU" smtClean="0"/>
-              <a:t>30/08/2025</a:t>
+              <a:t>1/09/2025</a:t>
             </a:fld>
             <a:endParaRPr lang="en-AU"/>
           </a:p>
@@ -8991,7 +9797,7 @@
           <a:p>
             <a:fld id="{E2C9273C-2509-428F-BAF8-3E024DCC43BA}" type="datetimeFigureOut">
               <a:rPr lang="en-AU" smtClean="0"/>
-              <a:t>30/08/2025</a:t>
+              <a:t>1/09/2025</a:t>
             </a:fld>
             <a:endParaRPr lang="en-AU"/>
           </a:p>
@@ -9228,7 +10034,7 @@
           <a:p>
             <a:fld id="{E2C9273C-2509-428F-BAF8-3E024DCC43BA}" type="datetimeFigureOut">
               <a:rPr lang="en-AU" smtClean="0"/>
-              <a:t>30/08/2025</a:t>
+              <a:t>1/09/2025</a:t>
             </a:fld>
             <a:endParaRPr lang="en-AU"/>
           </a:p>
@@ -9443,7 +10249,7 @@
           <a:p>
             <a:fld id="{E2C9273C-2509-428F-BAF8-3E024DCC43BA}" type="datetimeFigureOut">
               <a:rPr lang="en-AU" smtClean="0"/>
-              <a:t>30/08/2025</a:t>
+              <a:t>1/09/2025</a:t>
             </a:fld>
             <a:endParaRPr lang="en-AU"/>
           </a:p>
@@ -9659,7 +10465,7 @@
           <a:p>
             <a:fld id="{E2C9273C-2509-428F-BAF8-3E024DCC43BA}" type="datetimeFigureOut">
               <a:rPr lang="en-AU" smtClean="0"/>
-              <a:t>30/08/2025</a:t>
+              <a:t>1/09/2025</a:t>
             </a:fld>
             <a:endParaRPr lang="en-AU"/>
           </a:p>
@@ -9874,7 +10680,7 @@
           <a:p>
             <a:fld id="{E2C9273C-2509-428F-BAF8-3E024DCC43BA}" type="datetimeFigureOut">
               <a:rPr lang="en-AU" smtClean="0"/>
-              <a:t>30/08/2025</a:t>
+              <a:t>1/09/2025</a:t>
             </a:fld>
             <a:endParaRPr lang="en-AU"/>
           </a:p>
@@ -10181,7 +10987,7 @@
           <a:p>
             <a:fld id="{E2C9273C-2509-428F-BAF8-3E024DCC43BA}" type="datetimeFigureOut">
               <a:rPr lang="en-AU" smtClean="0"/>
-              <a:t>30/08/2025</a:t>
+              <a:t>1/09/2025</a:t>
             </a:fld>
             <a:endParaRPr lang="en-AU"/>
           </a:p>
@@ -10541,7 +11347,7 @@
           <a:p>
             <a:fld id="{E2C9273C-2509-428F-BAF8-3E024DCC43BA}" type="datetimeFigureOut">
               <a:rPr lang="en-AU" smtClean="0"/>
-              <a:t>30/08/2025</a:t>
+              <a:t>1/09/2025</a:t>
             </a:fld>
             <a:endParaRPr lang="en-AU"/>
           </a:p>
@@ -10900,7 +11706,7 @@
           <a:p>
             <a:fld id="{E2C9273C-2509-428F-BAF8-3E024DCC43BA}" type="datetimeFigureOut">
               <a:rPr lang="en-AU" smtClean="0"/>
-              <a:t>30/08/2025</a:t>
+              <a:t>1/09/2025</a:t>
             </a:fld>
             <a:endParaRPr lang="en-AU"/>
           </a:p>
@@ -11134,7 +11940,7 @@
           <a:p>
             <a:fld id="{E2C9273C-2509-428F-BAF8-3E024DCC43BA}" type="datetimeFigureOut">
               <a:rPr lang="en-AU" smtClean="0"/>
-              <a:t>30/08/2025</a:t>
+              <a:t>1/09/2025</a:t>
             </a:fld>
             <a:endParaRPr lang="en-AU"/>
           </a:p>
@@ -11493,7 +12299,7 @@
           <a:p>
             <a:fld id="{E2C9273C-2509-428F-BAF8-3E024DCC43BA}" type="datetimeFigureOut">
               <a:rPr lang="en-AU" smtClean="0"/>
-              <a:t>30/08/2025</a:t>
+              <a:t>1/09/2025</a:t>
             </a:fld>
             <a:endParaRPr lang="en-AU"/>
           </a:p>
@@ -11823,7 +12629,7 @@
           <a:p>
             <a:fld id="{E2C9273C-2509-428F-BAF8-3E024DCC43BA}" type="datetimeFigureOut">
               <a:rPr lang="en-AU" smtClean="0"/>
-              <a:t>30/08/2025</a:t>
+              <a:t>1/09/2025</a:t>
             </a:fld>
             <a:endParaRPr lang="en-AU"/>
           </a:p>
@@ -12134,7 +12940,7 @@
           <a:p>
             <a:fld id="{E2C9273C-2509-428F-BAF8-3E024DCC43BA}" type="datetimeFigureOut">
               <a:rPr lang="en-AU" smtClean="0"/>
-              <a:t>30/08/2025</a:t>
+              <a:t>1/09/2025</a:t>
             </a:fld>
             <a:endParaRPr lang="en-AU"/>
           </a:p>
@@ -12481,7 +13287,7 @@
           <a:p>
             <a:fld id="{E2C9273C-2509-428F-BAF8-3E024DCC43BA}" type="datetimeFigureOut">
               <a:rPr lang="en-AU" smtClean="0"/>
-              <a:t>30/08/2025</a:t>
+              <a:t>1/09/2025</a:t>
             </a:fld>
             <a:endParaRPr lang="en-AU"/>
           </a:p>
@@ -12791,7 +13597,7 @@
           <a:p>
             <a:fld id="{E2C9273C-2509-428F-BAF8-3E024DCC43BA}" type="datetimeFigureOut">
               <a:rPr lang="en-AU" smtClean="0"/>
-              <a:t>30/08/2025</a:t>
+              <a:t>1/09/2025</a:t>
             </a:fld>
             <a:endParaRPr lang="en-AU"/>
           </a:p>
@@ -13127,7 +13933,7 @@
           <a:p>
             <a:fld id="{E2C9273C-2509-428F-BAF8-3E024DCC43BA}" type="datetimeFigureOut">
               <a:rPr lang="en-AU" smtClean="0"/>
-              <a:t>30/08/2025</a:t>
+              <a:t>1/09/2025</a:t>
             </a:fld>
             <a:endParaRPr lang="en-AU"/>
           </a:p>
@@ -13442,7 +14248,7 @@
           <a:p>
             <a:fld id="{E2C9273C-2509-428F-BAF8-3E024DCC43BA}" type="datetimeFigureOut">
               <a:rPr lang="en-AU" smtClean="0"/>
-              <a:t>30/08/2025</a:t>
+              <a:t>1/09/2025</a:t>
             </a:fld>
             <a:endParaRPr lang="en-AU"/>
           </a:p>
@@ -13789,7 +14595,7 @@
           <a:p>
             <a:fld id="{E2C9273C-2509-428F-BAF8-3E024DCC43BA}" type="datetimeFigureOut">
               <a:rPr lang="en-AU" smtClean="0"/>
-              <a:t>30/08/2025</a:t>
+              <a:t>1/09/2025</a:t>
             </a:fld>
             <a:endParaRPr lang="en-AU"/>
           </a:p>
@@ -14122,7 +14928,7 @@
           <a:p>
             <a:fld id="{E2C9273C-2509-428F-BAF8-3E024DCC43BA}" type="datetimeFigureOut">
               <a:rPr lang="en-AU" smtClean="0"/>
-              <a:t>30/08/2025</a:t>
+              <a:t>1/09/2025</a:t>
             </a:fld>
             <a:endParaRPr lang="en-AU"/>
           </a:p>
@@ -14471,7 +15277,7 @@
           <a:p>
             <a:fld id="{E2C9273C-2509-428F-BAF8-3E024DCC43BA}" type="datetimeFigureOut">
               <a:rPr lang="en-AU" smtClean="0"/>
-              <a:t>30/08/2025</a:t>
+              <a:t>1/09/2025</a:t>
             </a:fld>
             <a:endParaRPr lang="en-AU"/>
           </a:p>
@@ -14816,7 +15622,7 @@
           <a:p>
             <a:fld id="{E2C9273C-2509-428F-BAF8-3E024DCC43BA}" type="datetimeFigureOut">
               <a:rPr lang="en-AU" smtClean="0"/>
-              <a:t>30/08/2025</a:t>
+              <a:t>1/09/2025</a:t>
             </a:fld>
             <a:endParaRPr lang="en-AU"/>
           </a:p>
@@ -15158,7 +15964,7 @@
           <a:p>
             <a:fld id="{E2C9273C-2509-428F-BAF8-3E024DCC43BA}" type="datetimeFigureOut">
               <a:rPr lang="en-AU" smtClean="0"/>
-              <a:t>30/08/2025</a:t>
+              <a:t>1/09/2025</a:t>
             </a:fld>
             <a:endParaRPr lang="en-AU"/>
           </a:p>
@@ -15459,7 +16265,7 @@
           <a:p>
             <a:fld id="{E2C9273C-2509-428F-BAF8-3E024DCC43BA}" type="datetimeFigureOut">
               <a:rPr lang="en-AU" smtClean="0"/>
-              <a:t>30/08/2025</a:t>
+              <a:t>1/09/2025</a:t>
             </a:fld>
             <a:endParaRPr lang="en-AU"/>
           </a:p>
@@ -15721,7 +16527,7 @@
           <a:p>
             <a:fld id="{E2C9273C-2509-428F-BAF8-3E024DCC43BA}" type="datetimeFigureOut">
               <a:rPr lang="en-AU" smtClean="0"/>
-              <a:t>30/08/2025</a:t>
+              <a:t>1/09/2025</a:t>
             </a:fld>
             <a:endParaRPr lang="en-AU"/>
           </a:p>
@@ -16029,7 +16835,7 @@
           <a:p>
             <a:fld id="{E2C9273C-2509-428F-BAF8-3E024DCC43BA}" type="datetimeFigureOut">
               <a:rPr lang="en-AU" smtClean="0"/>
-              <a:t>30/08/2025</a:t>
+              <a:t>1/09/2025</a:t>
             </a:fld>
             <a:endParaRPr lang="en-AU"/>
           </a:p>
@@ -16353,7 +17159,7 @@
           <a:p>
             <a:fld id="{E2C9273C-2509-428F-BAF8-3E024DCC43BA}" type="datetimeFigureOut">
               <a:rPr lang="en-AU" smtClean="0"/>
-              <a:t>30/08/2025</a:t>
+              <a:t>1/09/2025</a:t>
             </a:fld>
             <a:endParaRPr lang="en-AU"/>
           </a:p>
@@ -16754,7 +17560,7 @@
           <a:p>
             <a:fld id="{E2C9273C-2509-428F-BAF8-3E024DCC43BA}" type="datetimeFigureOut">
               <a:rPr lang="en-AU" smtClean="0"/>
-              <a:t>30/08/2025</a:t>
+              <a:t>1/09/2025</a:t>
             </a:fld>
             <a:endParaRPr lang="en-AU"/>
           </a:p>
@@ -17078,7 +17884,7 @@
           <a:p>
             <a:fld id="{E2C9273C-2509-428F-BAF8-3E024DCC43BA}" type="datetimeFigureOut">
               <a:rPr lang="en-AU" smtClean="0"/>
-              <a:t>30/08/2025</a:t>
+              <a:t>1/09/2025</a:t>
             </a:fld>
             <a:endParaRPr lang="en-AU"/>
           </a:p>
@@ -17315,7 +18121,7 @@
           <a:p>
             <a:fld id="{E2C9273C-2509-428F-BAF8-3E024DCC43BA}" type="datetimeFigureOut">
               <a:rPr lang="en-AU" smtClean="0"/>
-              <a:t>30/08/2025</a:t>
+              <a:t>1/09/2025</a:t>
             </a:fld>
             <a:endParaRPr lang="en-AU"/>
           </a:p>
@@ -17607,7 +18413,7 @@
           <a:p>
             <a:fld id="{E2C9273C-2509-428F-BAF8-3E024DCC43BA}" type="datetimeFigureOut">
               <a:rPr lang="en-AU" smtClean="0"/>
-              <a:t>30/08/2025</a:t>
+              <a:t>1/09/2025</a:t>
             </a:fld>
             <a:endParaRPr lang="en-AU"/>
           </a:p>
@@ -17899,7 +18705,7 @@
           <a:p>
             <a:fld id="{E2C9273C-2509-428F-BAF8-3E024DCC43BA}" type="datetimeFigureOut">
               <a:rPr lang="en-AU" smtClean="0"/>
-              <a:t>30/08/2025</a:t>
+              <a:t>1/09/2025</a:t>
             </a:fld>
             <a:endParaRPr lang="en-AU"/>
           </a:p>
@@ -18099,7 +18905,7 @@
           <a:p>
             <a:fld id="{E2C9273C-2509-428F-BAF8-3E024DCC43BA}" type="datetimeFigureOut">
               <a:rPr lang="en-AU" smtClean="0"/>
-              <a:t>30/08/2025</a:t>
+              <a:t>1/09/2025</a:t>
             </a:fld>
             <a:endParaRPr lang="en-AU"/>
           </a:p>
@@ -18345,7 +19151,7 @@
           <a:p>
             <a:fld id="{E2C9273C-2509-428F-BAF8-3E024DCC43BA}" type="datetimeFigureOut">
               <a:rPr lang="en-AU" smtClean="0"/>
-              <a:t>30/08/2025</a:t>
+              <a:t>1/09/2025</a:t>
             </a:fld>
             <a:endParaRPr lang="en-AU"/>
           </a:p>
@@ -18655,7 +19461,7 @@
           <a:p>
             <a:fld id="{E2C9273C-2509-428F-BAF8-3E024DCC43BA}" type="datetimeFigureOut">
               <a:rPr lang="en-AU" smtClean="0"/>
-              <a:t>30/08/2025</a:t>
+              <a:t>1/09/2025</a:t>
             </a:fld>
             <a:endParaRPr lang="en-AU"/>
           </a:p>
@@ -18927,7 +19733,7 @@
           <a:p>
             <a:fld id="{E2C9273C-2509-428F-BAF8-3E024DCC43BA}" type="datetimeFigureOut">
               <a:rPr lang="en-AU" smtClean="0"/>
-              <a:t>30/08/2025</a:t>
+              <a:t>1/09/2025</a:t>
             </a:fld>
             <a:endParaRPr lang="en-AU"/>
           </a:p>
@@ -19233,7 +20039,7 @@
           <a:p>
             <a:fld id="{E2C9273C-2509-428F-BAF8-3E024DCC43BA}" type="datetimeFigureOut">
               <a:rPr lang="en-AU" smtClean="0"/>
-              <a:t>30/08/2025</a:t>
+              <a:t>1/09/2025</a:t>
             </a:fld>
             <a:endParaRPr lang="en-AU"/>
           </a:p>
@@ -19500,7 +20306,7 @@
           <a:p>
             <a:fld id="{E2C9273C-2509-428F-BAF8-3E024DCC43BA}" type="datetimeFigureOut">
               <a:rPr lang="en-AU" smtClean="0"/>
-              <a:t>30/08/2025</a:t>
+              <a:t>1/09/2025</a:t>
             </a:fld>
             <a:endParaRPr lang="en-AU"/>
           </a:p>
@@ -19815,7 +20621,7 @@
           <a:p>
             <a:fld id="{E2C9273C-2509-428F-BAF8-3E024DCC43BA}" type="datetimeFigureOut">
               <a:rPr lang="en-AU" smtClean="0"/>
-              <a:t>30/08/2025</a:t>
+              <a:t>1/09/2025</a:t>
             </a:fld>
             <a:endParaRPr lang="en-AU"/>
           </a:p>
@@ -20123,7 +20929,7 @@
           <a:p>
             <a:fld id="{E2C9273C-2509-428F-BAF8-3E024DCC43BA}" type="datetimeFigureOut">
               <a:rPr lang="en-AU" smtClean="0"/>
-              <a:t>30/08/2025</a:t>
+              <a:t>1/09/2025</a:t>
             </a:fld>
             <a:endParaRPr lang="en-AU"/>
           </a:p>
@@ -20329,7 +21135,7 @@
           <a:p>
             <a:fld id="{E2C9273C-2509-428F-BAF8-3E024DCC43BA}" type="datetimeFigureOut">
               <a:rPr lang="en-AU" smtClean="0"/>
-              <a:t>30/08/2025</a:t>
+              <a:t>1/09/2025</a:t>
             </a:fld>
             <a:endParaRPr lang="en-AU"/>
           </a:p>
@@ -20648,7 +21454,7 @@
           <a:p>
             <a:fld id="{E2C9273C-2509-428F-BAF8-3E024DCC43BA}" type="datetimeFigureOut">
               <a:rPr lang="en-AU" smtClean="0"/>
-              <a:t>30/08/2025</a:t>
+              <a:t>1/09/2025</a:t>
             </a:fld>
             <a:endParaRPr lang="en-AU"/>
           </a:p>
@@ -20956,7 +21762,7 @@
           <a:p>
             <a:fld id="{E2C9273C-2509-428F-BAF8-3E024DCC43BA}" type="datetimeFigureOut">
               <a:rPr lang="en-AU" smtClean="0"/>
-              <a:t>30/08/2025</a:t>
+              <a:t>1/09/2025</a:t>
             </a:fld>
             <a:endParaRPr lang="en-AU"/>
           </a:p>
@@ -21239,7 +22045,7 @@
           <a:p>
             <a:fld id="{E2C9273C-2509-428F-BAF8-3E024DCC43BA}" type="datetimeFigureOut">
               <a:rPr lang="en-AU" smtClean="0"/>
-              <a:t>30/08/2025</a:t>
+              <a:t>1/09/2025</a:t>
             </a:fld>
             <a:endParaRPr lang="en-AU"/>
           </a:p>
@@ -21481,7 +22287,7 @@
           <a:p>
             <a:fld id="{E2C9273C-2509-428F-BAF8-3E024DCC43BA}" type="datetimeFigureOut">
               <a:rPr lang="en-AU" smtClean="0"/>
-              <a:t>30/08/2025</a:t>
+              <a:t>1/09/2025</a:t>
             </a:fld>
             <a:endParaRPr lang="en-AU"/>
           </a:p>
@@ -21720,7 +22526,7 @@
           <a:p>
             <a:fld id="{E2C9273C-2509-428F-BAF8-3E024DCC43BA}" type="datetimeFigureOut">
               <a:rPr lang="en-AU" smtClean="0"/>
-              <a:t>30/08/2025</a:t>
+              <a:t>1/09/2025</a:t>
             </a:fld>
             <a:endParaRPr lang="en-AU"/>
           </a:p>
@@ -21973,7 +22779,7 @@
           <a:p>
             <a:fld id="{E2C9273C-2509-428F-BAF8-3E024DCC43BA}" type="datetimeFigureOut">
               <a:rPr lang="en-AU" smtClean="0"/>
-              <a:t>30/08/2025</a:t>
+              <a:t>1/09/2025</a:t>
             </a:fld>
             <a:endParaRPr lang="en-AU"/>
           </a:p>
@@ -22245,7 +23051,7 @@
           <a:p>
             <a:fld id="{E2C9273C-2509-428F-BAF8-3E024DCC43BA}" type="datetimeFigureOut">
               <a:rPr lang="en-AU" smtClean="0"/>
-              <a:t>30/08/2025</a:t>
+              <a:t>1/09/2025</a:t>
             </a:fld>
             <a:endParaRPr lang="en-AU"/>
           </a:p>
@@ -22669,7 +23475,7 @@
           <a:p>
             <a:fld id="{E2C9273C-2509-428F-BAF8-3E024DCC43BA}" type="datetimeFigureOut">
               <a:rPr lang="en-AU" smtClean="0"/>
-              <a:t>30/08/2025</a:t>
+              <a:t>1/09/2025</a:t>
             </a:fld>
             <a:endParaRPr lang="en-AU"/>
           </a:p>
@@ -22989,7 +23795,7 @@
           <a:p>
             <a:fld id="{E2C9273C-2509-428F-BAF8-3E024DCC43BA}" type="datetimeFigureOut">
               <a:rPr lang="en-AU" smtClean="0"/>
-              <a:t>30/08/2025</a:t>
+              <a:t>1/09/2025</a:t>
             </a:fld>
             <a:endParaRPr lang="en-AU"/>
           </a:p>
@@ -23540,7 +24346,7 @@
           <p:cNvPr id="4" name="Rectangle 3">
             <a:extLst>
               <a:ext uri="{FF2B5EF4-FFF2-40B4-BE49-F238E27FC236}">
-                <a16:creationId xmlns:a16="http://schemas.microsoft.com/office/drawing/2014/main" id="{31E6AA85-1E54-5F0C-E499-4F66D76AA329}"/>
+                <a16:creationId xmlns:a16="http://schemas.microsoft.com/office/drawing/2014/main" id="{15D73C47-2770-30A3-51F7-BA0B51D668C7}"/>
               </a:ext>
             </a:extLst>
           </p:cNvPr>
@@ -23581,129 +24387,6 @@
           </a:p>
         </p:txBody>
       </p:sp>
-      <p:pic>
-        <p:nvPicPr>
-          <p:cNvPr id="1026" name="Picture 2" descr="Home - Dapr Agents">
-            <a:extLst>
-              <a:ext uri="{FF2B5EF4-FFF2-40B4-BE49-F238E27FC236}">
-                <a16:creationId xmlns:a16="http://schemas.microsoft.com/office/drawing/2014/main" id="{3EA83C2E-55C9-5BAA-9DA7-6F7EAF3DADA5}"/>
-              </a:ext>
-            </a:extLst>
-          </p:cNvPr>
-          <p:cNvPicPr>
-            <a:picLocks noChangeAspect="1" noChangeArrowheads="1"/>
-          </p:cNvPicPr>
-          <p:nvPr/>
-        </p:nvPicPr>
-        <p:blipFill>
-          <a:blip r:embed="rId2">
-            <a:extLst>
-              <a:ext uri="{28A0092B-C50C-407E-A947-70E740481C1C}">
-                <a14:useLocalDpi xmlns:a14="http://schemas.microsoft.com/office/drawing/2010/main" val="0"/>
-              </a:ext>
-            </a:extLst>
-          </a:blip>
-          <a:srcRect/>
-          <a:stretch>
-            <a:fillRect/>
-          </a:stretch>
-        </p:blipFill>
-        <p:spPr bwMode="auto">
-          <a:xfrm>
-            <a:off x="2006930" y="942820"/>
-            <a:ext cx="4972360" cy="4972360"/>
-          </a:xfrm>
-          <a:prstGeom prst="rect">
-            <a:avLst/>
-          </a:prstGeom>
-          <a:noFill/>
-          <a:extLst>
-            <a:ext uri="{909E8E84-426E-40DD-AFC4-6F175D3DCCD1}">
-              <a14:hiddenFill xmlns:a14="http://schemas.microsoft.com/office/drawing/2010/main">
-                <a:solidFill>
-                  <a:srgbClr val="FFFFFF"/>
-                </a:solidFill>
-              </a14:hiddenFill>
-            </a:ext>
-          </a:extLst>
-        </p:spPr>
-      </p:pic>
-    </p:spTree>
-    <p:extLst>
-      <p:ext uri="{BB962C8B-B14F-4D97-AF65-F5344CB8AC3E}">
-        <p14:creationId xmlns:p14="http://schemas.microsoft.com/office/powerpoint/2010/main" val="1130843247"/>
-      </p:ext>
-    </p:extLst>
-  </p:cSld>
-  <p:clrMapOvr>
-    <a:masterClrMapping/>
-  </p:clrMapOvr>
-</p:sld>
-</file>
-
-<file path=ppt/slides/slide2.xml><?xml version="1.0" encoding="utf-8"?>
-<p:sld xmlns:a="http://schemas.openxmlformats.org/drawingml/2006/main" xmlns:r="http://schemas.openxmlformats.org/officeDocument/2006/relationships" xmlns:p="http://schemas.openxmlformats.org/presentationml/2006/main">
-  <p:cSld>
-    <p:spTree>
-      <p:nvGrpSpPr>
-        <p:cNvPr id="1" name=""/>
-        <p:cNvGrpSpPr/>
-        <p:nvPr/>
-      </p:nvGrpSpPr>
-      <p:grpSpPr>
-        <a:xfrm>
-          <a:off x="0" y="0"/>
-          <a:ext cx="0" cy="0"/>
-          <a:chOff x="0" y="0"/>
-          <a:chExt cx="0" cy="0"/>
-        </a:xfrm>
-      </p:grpSpPr>
-      <p:sp>
-        <p:nvSpPr>
-          <p:cNvPr id="4" name="Rectangle 3">
-            <a:extLst>
-              <a:ext uri="{FF2B5EF4-FFF2-40B4-BE49-F238E27FC236}">
-                <a16:creationId xmlns:a16="http://schemas.microsoft.com/office/drawing/2014/main" id="{15D73C47-2770-30A3-51F7-BA0B51D668C7}"/>
-              </a:ext>
-            </a:extLst>
-          </p:cNvPr>
-          <p:cNvSpPr/>
-          <p:nvPr/>
-        </p:nvSpPr>
-        <p:spPr>
-          <a:xfrm>
-            <a:off x="8953995" y="3764478"/>
-            <a:ext cx="3238005" cy="3093522"/>
-          </a:xfrm>
-          <a:prstGeom prst="rect">
-            <a:avLst/>
-          </a:prstGeom>
-        </p:spPr>
-        <p:style>
-          <a:lnRef idx="2">
-            <a:schemeClr val="accent1">
-              <a:shade val="15000"/>
-            </a:schemeClr>
-          </a:lnRef>
-          <a:fillRef idx="1">
-            <a:schemeClr val="accent1"/>
-          </a:fillRef>
-          <a:effectRef idx="0">
-            <a:schemeClr val="accent1"/>
-          </a:effectRef>
-          <a:fontRef idx="minor">
-            <a:schemeClr val="lt1"/>
-          </a:fontRef>
-        </p:style>
-        <p:txBody>
-          <a:bodyPr rtlCol="0" anchor="ctr"/>
-          <a:lstStyle/>
-          <a:p>
-            <a:pPr algn="ctr"/>
-            <a:endParaRPr lang="en-AU"/>
-          </a:p>
-        </p:txBody>
-      </p:sp>
       <p:graphicFrame>
         <p:nvGraphicFramePr>
           <p:cNvPr id="5" name="Diagram 4">
@@ -23722,7 +24405,7 @@
         </p:xfrm>
         <a:graphic>
           <a:graphicData uri="http://schemas.openxmlformats.org/drawingml/2006/diagram">
-            <dgm:relIds xmlns:dgm="http://schemas.openxmlformats.org/drawingml/2006/diagram" xmlns:r="http://schemas.openxmlformats.org/officeDocument/2006/relationships" r:dm="rId2" r:lo="rId3" r:qs="rId4" r:cs="rId5"/>
+            <dgm:relIds xmlns:dgm="http://schemas.openxmlformats.org/drawingml/2006/diagram" xmlns:r="http://schemas.openxmlformats.org/officeDocument/2006/relationships" r:dm="rId3" r:lo="rId4" r:qs="rId5" r:cs="rId6"/>
           </a:graphicData>
         </a:graphic>
       </p:graphicFrame>
@@ -23741,7 +24424,7 @@
           <p:nvPr/>
         </p:nvPicPr>
         <p:blipFill>
-          <a:blip r:embed="rId7">
+          <a:blip r:embed="rId8">
             <a:extLst>
               <a:ext uri="{28A0092B-C50C-407E-A947-70E740481C1C}">
                 <a14:useLocalDpi xmlns:a14="http://schemas.microsoft.com/office/drawing/2010/main" val="0"/>
@@ -23773,6 +24456,58 @@
           </a:extLst>
         </p:spPr>
       </p:pic>
+      <p:sp>
+        <p:nvSpPr>
+          <p:cNvPr id="2" name="Rectangle 1">
+            <a:extLst>
+              <a:ext uri="{FF2B5EF4-FFF2-40B4-BE49-F238E27FC236}">
+                <a16:creationId xmlns:a16="http://schemas.microsoft.com/office/drawing/2014/main" id="{E6904B44-331F-19F7-20BD-8E19E20F190E}"/>
+              </a:ext>
+            </a:extLst>
+          </p:cNvPr>
+          <p:cNvSpPr/>
+          <p:nvPr/>
+        </p:nvSpPr>
+        <p:spPr>
+          <a:xfrm>
+            <a:off x="2606676" y="3218516"/>
+            <a:ext cx="1680189" cy="1091922"/>
+          </a:xfrm>
+          <a:prstGeom prst="rect">
+            <a:avLst/>
+          </a:prstGeom>
+          <a:noFill/>
+          <a:ln w="63500">
+            <a:solidFill>
+              <a:srgbClr val="FF0000"/>
+            </a:solidFill>
+          </a:ln>
+        </p:spPr>
+        <p:style>
+          <a:lnRef idx="2">
+            <a:schemeClr val="accent1">
+              <a:shade val="15000"/>
+            </a:schemeClr>
+          </a:lnRef>
+          <a:fillRef idx="1">
+            <a:schemeClr val="accent1"/>
+          </a:fillRef>
+          <a:effectRef idx="0">
+            <a:schemeClr val="accent1"/>
+          </a:effectRef>
+          <a:fontRef idx="minor">
+            <a:schemeClr val="lt1"/>
+          </a:fontRef>
+        </p:style>
+        <p:txBody>
+          <a:bodyPr rtlCol="0" anchor="ctr"/>
+          <a:lstStyle/>
+          <a:p>
+            <a:pPr algn="ctr"/>
+            <a:endParaRPr lang="en-AU"/>
+          </a:p>
+        </p:txBody>
+      </p:sp>
     </p:spTree>
     <p:extLst>
       <p:ext uri="{BB962C8B-B14F-4D97-AF65-F5344CB8AC3E}">
@@ -23783,10 +24518,96 @@
   <p:clrMapOvr>
     <a:masterClrMapping/>
   </p:clrMapOvr>
+  <p:timing>
+    <p:tnLst>
+      <p:par>
+        <p:cTn id="1" dur="indefinite" restart="never" nodeType="tmRoot">
+          <p:childTnLst>
+            <p:seq concurrent="1" nextAc="seek">
+              <p:cTn id="2" dur="indefinite" nodeType="mainSeq">
+                <p:childTnLst>
+                  <p:par>
+                    <p:cTn id="3" fill="hold">
+                      <p:stCondLst>
+                        <p:cond delay="indefinite"/>
+                      </p:stCondLst>
+                      <p:childTnLst>
+                        <p:par>
+                          <p:cTn id="4" fill="hold">
+                            <p:stCondLst>
+                              <p:cond delay="0"/>
+                            </p:stCondLst>
+                            <p:childTnLst>
+                              <p:par>
+                                <p:cTn id="5" presetID="10" presetClass="entr" presetSubtype="0" fill="hold" grpId="0" nodeType="clickEffect">
+                                  <p:stCondLst>
+                                    <p:cond delay="0"/>
+                                  </p:stCondLst>
+                                  <p:childTnLst>
+                                    <p:set>
+                                      <p:cBhvr>
+                                        <p:cTn id="6" dur="1" fill="hold">
+                                          <p:stCondLst>
+                                            <p:cond delay="0"/>
+                                          </p:stCondLst>
+                                        </p:cTn>
+                                        <p:tgtEl>
+                                          <p:spTgt spid="2"/>
+                                        </p:tgtEl>
+                                        <p:attrNameLst>
+                                          <p:attrName>style.visibility</p:attrName>
+                                        </p:attrNameLst>
+                                      </p:cBhvr>
+                                      <p:to>
+                                        <p:strVal val="visible"/>
+                                      </p:to>
+                                    </p:set>
+                                    <p:animEffect transition="in" filter="fade">
+                                      <p:cBhvr>
+                                        <p:cTn id="7" dur="500"/>
+                                        <p:tgtEl>
+                                          <p:spTgt spid="2"/>
+                                        </p:tgtEl>
+                                      </p:cBhvr>
+                                    </p:animEffect>
+                                  </p:childTnLst>
+                                </p:cTn>
+                              </p:par>
+                            </p:childTnLst>
+                          </p:cTn>
+                        </p:par>
+                      </p:childTnLst>
+                    </p:cTn>
+                  </p:par>
+                </p:childTnLst>
+              </p:cTn>
+              <p:prevCondLst>
+                <p:cond evt="onPrev" delay="0">
+                  <p:tgtEl>
+                    <p:sldTgt/>
+                  </p:tgtEl>
+                </p:cond>
+              </p:prevCondLst>
+              <p:nextCondLst>
+                <p:cond evt="onNext" delay="0">
+                  <p:tgtEl>
+                    <p:sldTgt/>
+                  </p:tgtEl>
+                </p:cond>
+              </p:nextCondLst>
+            </p:seq>
+          </p:childTnLst>
+        </p:cTn>
+      </p:par>
+    </p:tnLst>
+    <p:bldLst>
+      <p:bldP spid="2" grpId="0" animBg="1"/>
+    </p:bldLst>
+  </p:timing>
 </p:sld>
 </file>
 
-<file path=ppt/slides/slide3.xml><?xml version="1.0" encoding="utf-8"?>
+<file path=ppt/slides/slide2.xml><?xml version="1.0" encoding="utf-8"?>
 <p:sld xmlns:a="http://schemas.openxmlformats.org/drawingml/2006/main" xmlns:r="http://schemas.openxmlformats.org/officeDocument/2006/relationships" xmlns:p="http://schemas.openxmlformats.org/presentationml/2006/main">
   <p:cSld>
     <p:spTree>
@@ -23898,7 +24719,7 @@
           <p:nvPr/>
         </p:nvPicPr>
         <p:blipFill>
-          <a:blip r:embed="rId2">
+          <a:blip r:embed="rId3">
             <a:extLst>
               <a:ext uri="{28A0092B-C50C-407E-A947-70E740481C1C}">
                 <a14:useLocalDpi xmlns:a14="http://schemas.microsoft.com/office/drawing/2010/main" val="0"/>
@@ -23945,7 +24766,7 @@
           <p:nvPr/>
         </p:nvPicPr>
         <p:blipFill>
-          <a:blip r:embed="rId3"/>
+          <a:blip r:embed="rId4"/>
           <a:stretch>
             <a:fillRect/>
           </a:stretch>
@@ -23970,10 +24791,22 @@
   <p:clrMapOvr>
     <a:masterClrMapping/>
   </p:clrMapOvr>
+  <mc:AlternateContent xmlns:mc="http://schemas.openxmlformats.org/markup-compatibility/2006">
+    <mc:Choice xmlns:p14="http://schemas.microsoft.com/office/powerpoint/2010/main" Requires="p14">
+      <p:transition spd="med" p14:dur="700">
+        <p:fade/>
+      </p:transition>
+    </mc:Choice>
+    <mc:Fallback>
+      <p:transition spd="med">
+        <p:fade/>
+      </p:transition>
+    </mc:Fallback>
+  </mc:AlternateContent>
 </p:sld>
 </file>
 
-<file path=ppt/slides/slide4.xml><?xml version="1.0" encoding="utf-8"?>
+<file path=ppt/slides/slide3.xml><?xml version="1.0" encoding="utf-8"?>
 <p:sld xmlns:a="http://schemas.openxmlformats.org/drawingml/2006/main" xmlns:r="http://schemas.openxmlformats.org/officeDocument/2006/relationships" xmlns:p="http://schemas.openxmlformats.org/presentationml/2006/main">
   <p:cSld>
     <p:spTree>
@@ -24157,7 +24990,7 @@
           <p:nvPr/>
         </p:nvPicPr>
         <p:blipFill>
-          <a:blip r:embed="rId2">
+          <a:blip r:embed="rId3">
             <a:extLst>
               <a:ext uri="{28A0092B-C50C-407E-A947-70E740481C1C}">
                 <a14:useLocalDpi xmlns:a14="http://schemas.microsoft.com/office/drawing/2010/main" val="0"/>
@@ -24199,6 +25032,18 @@
   <p:clrMapOvr>
     <a:masterClrMapping/>
   </p:clrMapOvr>
+  <mc:AlternateContent xmlns:mc="http://schemas.openxmlformats.org/markup-compatibility/2006">
+    <mc:Choice xmlns:p14="http://schemas.microsoft.com/office/powerpoint/2010/main" Requires="p14">
+      <p:transition spd="med" p14:dur="700">
+        <p:fade/>
+      </p:transition>
+    </mc:Choice>
+    <mc:Fallback>
+      <p:transition spd="med">
+        <p:fade/>
+      </p:transition>
+    </mc:Fallback>
+  </mc:AlternateContent>
 </p:sld>
 </file>
 
@@ -24401,4 +25246,319 @@
     </a:ext>
   </a:extLst>
 </a:theme>
+</file>
+
+<file path=ppt/theme/theme2.xml><?xml version="1.0" encoding="utf-8"?>
+<a:theme xmlns:a="http://schemas.openxmlformats.org/drawingml/2006/main" name="Office Theme">
+  <a:themeElements>
+    <a:clrScheme name="Office">
+      <a:dk1>
+        <a:sysClr val="windowText" lastClr="000000"/>
+      </a:dk1>
+      <a:lt1>
+        <a:sysClr val="window" lastClr="FFFFFF"/>
+      </a:lt1>
+      <a:dk2>
+        <a:srgbClr val="0E2841"/>
+      </a:dk2>
+      <a:lt2>
+        <a:srgbClr val="E8E8E8"/>
+      </a:lt2>
+      <a:accent1>
+        <a:srgbClr val="156082"/>
+      </a:accent1>
+      <a:accent2>
+        <a:srgbClr val="E97132"/>
+      </a:accent2>
+      <a:accent3>
+        <a:srgbClr val="196B24"/>
+      </a:accent3>
+      <a:accent4>
+        <a:srgbClr val="0F9ED5"/>
+      </a:accent4>
+      <a:accent5>
+        <a:srgbClr val="A02B93"/>
+      </a:accent5>
+      <a:accent6>
+        <a:srgbClr val="4EA72E"/>
+      </a:accent6>
+      <a:hlink>
+        <a:srgbClr val="467886"/>
+      </a:hlink>
+      <a:folHlink>
+        <a:srgbClr val="96607D"/>
+      </a:folHlink>
+    </a:clrScheme>
+    <a:fontScheme name="Office">
+      <a:majorFont>
+        <a:latin typeface="Aptos Display" panose="02110004020202020204"/>
+        <a:ea typeface=""/>
+        <a:cs typeface=""/>
+        <a:font script="Jpan" typeface="游ゴシック Light"/>
+        <a:font script="Hang" typeface="맑은 고딕"/>
+        <a:font script="Hans" typeface="等线 Light"/>
+        <a:font script="Hant" typeface="新細明體"/>
+        <a:font script="Arab" typeface="Times New Roman"/>
+        <a:font script="Hebr" typeface="Times New Roman"/>
+        <a:font script="Thai" typeface="Angsana New"/>
+        <a:font script="Ethi" typeface="Nyala"/>
+        <a:font script="Beng" typeface="Vrinda"/>
+        <a:font script="Gujr" typeface="Shruti"/>
+        <a:font script="Khmr" typeface="MoolBoran"/>
+        <a:font script="Knda" typeface="Tunga"/>
+        <a:font script="Guru" typeface="Raavi"/>
+        <a:font script="Cans" typeface="Euphemia"/>
+        <a:font script="Cher" typeface="Plantagenet Cherokee"/>
+        <a:font script="Yiii" typeface="Microsoft Yi Baiti"/>
+        <a:font script="Tibt" typeface="Microsoft Himalaya"/>
+        <a:font script="Thaa" typeface="MV Boli"/>
+        <a:font script="Deva" typeface="Mangal"/>
+        <a:font script="Telu" typeface="Gautami"/>
+        <a:font script="Taml" typeface="Latha"/>
+        <a:font script="Syrc" typeface="Estrangelo Edessa"/>
+        <a:font script="Orya" typeface="Kalinga"/>
+        <a:font script="Mlym" typeface="Kartika"/>
+        <a:font script="Laoo" typeface="DokChampa"/>
+        <a:font script="Sinh" typeface="Iskoola Pota"/>
+        <a:font script="Mong" typeface="Mongolian Baiti"/>
+        <a:font script="Viet" typeface="Times New Roman"/>
+        <a:font script="Uigh" typeface="Microsoft Uighur"/>
+        <a:font script="Geor" typeface="Sylfaen"/>
+        <a:font script="Armn" typeface="Arial"/>
+        <a:font script="Bugi" typeface="Leelawadee UI"/>
+        <a:font script="Bopo" typeface="Microsoft JhengHei"/>
+        <a:font script="Java" typeface="Javanese Text"/>
+        <a:font script="Lisu" typeface="Segoe UI"/>
+        <a:font script="Mymr" typeface="Myanmar Text"/>
+        <a:font script="Nkoo" typeface="Ebrima"/>
+        <a:font script="Olck" typeface="Nirmala UI"/>
+        <a:font script="Osma" typeface="Ebrima"/>
+        <a:font script="Phag" typeface="Phagspa"/>
+        <a:font script="Syrn" typeface="Estrangelo Edessa"/>
+        <a:font script="Syrj" typeface="Estrangelo Edessa"/>
+        <a:font script="Syre" typeface="Estrangelo Edessa"/>
+        <a:font script="Sora" typeface="Nirmala UI"/>
+        <a:font script="Tale" typeface="Microsoft Tai Le"/>
+        <a:font script="Talu" typeface="Microsoft New Tai Lue"/>
+        <a:font script="Tfng" typeface="Ebrima"/>
+      </a:majorFont>
+      <a:minorFont>
+        <a:latin typeface="Aptos" panose="02110004020202020204"/>
+        <a:ea typeface=""/>
+        <a:cs typeface=""/>
+        <a:font script="Jpan" typeface="游ゴシック"/>
+        <a:font script="Hang" typeface="맑은 고딕"/>
+        <a:font script="Hans" typeface="等线"/>
+        <a:font script="Hant" typeface="新細明體"/>
+        <a:font script="Arab" typeface="Arial"/>
+        <a:font script="Hebr" typeface="Arial"/>
+        <a:font script="Thai" typeface="Cordia New"/>
+        <a:font script="Ethi" typeface="Nyala"/>
+        <a:font script="Beng" typeface="Vrinda"/>
+        <a:font script="Gujr" typeface="Shruti"/>
+        <a:font script="Khmr" typeface="DaunPenh"/>
+        <a:font script="Knda" typeface="Tunga"/>
+        <a:font script="Guru" typeface="Raavi"/>
+        <a:font script="Cans" typeface="Euphemia"/>
+        <a:font script="Cher" typeface="Plantagenet Cherokee"/>
+        <a:font script="Yiii" typeface="Microsoft Yi Baiti"/>
+        <a:font script="Tibt" typeface="Microsoft Himalaya"/>
+        <a:font script="Thaa" typeface="MV Boli"/>
+        <a:font script="Deva" typeface="Mangal"/>
+        <a:font script="Telu" typeface="Gautami"/>
+        <a:font script="Taml" typeface="Latha"/>
+        <a:font script="Syrc" typeface="Estrangelo Edessa"/>
+        <a:font script="Orya" typeface="Kalinga"/>
+        <a:font script="Mlym" typeface="Kartika"/>
+        <a:font script="Laoo" typeface="DokChampa"/>
+        <a:font script="Sinh" typeface="Iskoola Pota"/>
+        <a:font script="Mong" typeface="Mongolian Baiti"/>
+        <a:font script="Viet" typeface="Arial"/>
+        <a:font script="Uigh" typeface="Microsoft Uighur"/>
+        <a:font script="Geor" typeface="Sylfaen"/>
+        <a:font script="Armn" typeface="Arial"/>
+        <a:font script="Bugi" typeface="Leelawadee UI"/>
+        <a:font script="Bopo" typeface="Microsoft JhengHei"/>
+        <a:font script="Java" typeface="Javanese Text"/>
+        <a:font script="Lisu" typeface="Segoe UI"/>
+        <a:font script="Mymr" typeface="Myanmar Text"/>
+        <a:font script="Nkoo" typeface="Ebrima"/>
+        <a:font script="Olck" typeface="Nirmala UI"/>
+        <a:font script="Osma" typeface="Ebrima"/>
+        <a:font script="Phag" typeface="Phagspa"/>
+        <a:font script="Syrn" typeface="Estrangelo Edessa"/>
+        <a:font script="Syrj" typeface="Estrangelo Edessa"/>
+        <a:font script="Syre" typeface="Estrangelo Edessa"/>
+        <a:font script="Sora" typeface="Nirmala UI"/>
+        <a:font script="Tale" typeface="Microsoft Tai Le"/>
+        <a:font script="Talu" typeface="Microsoft New Tai Lue"/>
+        <a:font script="Tfng" typeface="Ebrima"/>
+      </a:minorFont>
+    </a:fontScheme>
+    <a:fmtScheme name="Office">
+      <a:fillStyleLst>
+        <a:solidFill>
+          <a:schemeClr val="phClr"/>
+        </a:solidFill>
+        <a:gradFill rotWithShape="1">
+          <a:gsLst>
+            <a:gs pos="0">
+              <a:schemeClr val="phClr">
+                <a:lumMod val="110000"/>
+                <a:satMod val="105000"/>
+                <a:tint val="67000"/>
+              </a:schemeClr>
+            </a:gs>
+            <a:gs pos="50000">
+              <a:schemeClr val="phClr">
+                <a:lumMod val="105000"/>
+                <a:satMod val="103000"/>
+                <a:tint val="73000"/>
+              </a:schemeClr>
+            </a:gs>
+            <a:gs pos="100000">
+              <a:schemeClr val="phClr">
+                <a:lumMod val="105000"/>
+                <a:satMod val="109000"/>
+                <a:tint val="81000"/>
+              </a:schemeClr>
+            </a:gs>
+          </a:gsLst>
+          <a:lin ang="5400000" scaled="0"/>
+        </a:gradFill>
+        <a:gradFill rotWithShape="1">
+          <a:gsLst>
+            <a:gs pos="0">
+              <a:schemeClr val="phClr">
+                <a:satMod val="103000"/>
+                <a:lumMod val="102000"/>
+                <a:tint val="94000"/>
+              </a:schemeClr>
+            </a:gs>
+            <a:gs pos="50000">
+              <a:schemeClr val="phClr">
+                <a:satMod val="110000"/>
+                <a:lumMod val="100000"/>
+                <a:shade val="100000"/>
+              </a:schemeClr>
+            </a:gs>
+            <a:gs pos="100000">
+              <a:schemeClr val="phClr">
+                <a:lumMod val="99000"/>
+                <a:satMod val="120000"/>
+                <a:shade val="78000"/>
+              </a:schemeClr>
+            </a:gs>
+          </a:gsLst>
+          <a:lin ang="5400000" scaled="0"/>
+        </a:gradFill>
+      </a:fillStyleLst>
+      <a:lnStyleLst>
+        <a:ln w="12700" cap="flat" cmpd="sng" algn="ctr">
+          <a:solidFill>
+            <a:schemeClr val="phClr"/>
+          </a:solidFill>
+          <a:prstDash val="solid"/>
+          <a:miter lim="800000"/>
+        </a:ln>
+        <a:ln w="19050" cap="flat" cmpd="sng" algn="ctr">
+          <a:solidFill>
+            <a:schemeClr val="phClr"/>
+          </a:solidFill>
+          <a:prstDash val="solid"/>
+          <a:miter lim="800000"/>
+        </a:ln>
+        <a:ln w="25400" cap="flat" cmpd="sng" algn="ctr">
+          <a:solidFill>
+            <a:schemeClr val="phClr"/>
+          </a:solidFill>
+          <a:prstDash val="solid"/>
+          <a:miter lim="800000"/>
+        </a:ln>
+      </a:lnStyleLst>
+      <a:effectStyleLst>
+        <a:effectStyle>
+          <a:effectLst/>
+        </a:effectStyle>
+        <a:effectStyle>
+          <a:effectLst/>
+        </a:effectStyle>
+        <a:effectStyle>
+          <a:effectLst>
+            <a:outerShdw blurRad="57150" dist="19050" dir="5400000" algn="ctr" rotWithShape="0">
+              <a:srgbClr val="000000">
+                <a:alpha val="63000"/>
+              </a:srgbClr>
+            </a:outerShdw>
+          </a:effectLst>
+        </a:effectStyle>
+      </a:effectStyleLst>
+      <a:bgFillStyleLst>
+        <a:solidFill>
+          <a:schemeClr val="phClr"/>
+        </a:solidFill>
+        <a:solidFill>
+          <a:schemeClr val="phClr">
+            <a:tint val="95000"/>
+            <a:satMod val="170000"/>
+          </a:schemeClr>
+        </a:solidFill>
+        <a:gradFill rotWithShape="1">
+          <a:gsLst>
+            <a:gs pos="0">
+              <a:schemeClr val="phClr">
+                <a:tint val="93000"/>
+                <a:satMod val="150000"/>
+                <a:shade val="98000"/>
+                <a:lumMod val="102000"/>
+              </a:schemeClr>
+            </a:gs>
+            <a:gs pos="50000">
+              <a:schemeClr val="phClr">
+                <a:tint val="98000"/>
+                <a:satMod val="130000"/>
+                <a:shade val="90000"/>
+                <a:lumMod val="103000"/>
+              </a:schemeClr>
+            </a:gs>
+            <a:gs pos="100000">
+              <a:schemeClr val="phClr">
+                <a:shade val="63000"/>
+                <a:satMod val="120000"/>
+              </a:schemeClr>
+            </a:gs>
+          </a:gsLst>
+          <a:lin ang="5400000" scaled="0"/>
+        </a:gradFill>
+      </a:bgFillStyleLst>
+    </a:fmtScheme>
+  </a:themeElements>
+  <a:objectDefaults>
+    <a:lnDef>
+      <a:spPr/>
+      <a:bodyPr/>
+      <a:lstStyle/>
+      <a:style>
+        <a:lnRef idx="2">
+          <a:schemeClr val="accent1"/>
+        </a:lnRef>
+        <a:fillRef idx="0">
+          <a:schemeClr val="accent1"/>
+        </a:fillRef>
+        <a:effectRef idx="1">
+          <a:schemeClr val="accent1"/>
+        </a:effectRef>
+        <a:fontRef idx="minor">
+          <a:schemeClr val="tx1"/>
+        </a:fontRef>
+      </a:style>
+    </a:lnDef>
+  </a:objectDefaults>
+  <a:extraClrSchemeLst/>
+  <a:extLst>
+    <a:ext uri="{05A4C25C-085E-4340-85A3-A5531E510DB2}">
+      <thm15:themeFamily xmlns:thm15="http://schemas.microsoft.com/office/thememl/2012/main" name="Office Theme" id="{2E142A2C-CD16-42D6-873A-C26D2A0506FA}" vid="{1BDDFF52-6CD6-40A5-AB3C-68EB2F1E4D0A}"/>
+    </a:ext>
+  </a:extLst>
+</a:theme>
 </file>